--- a/modules/Recruitment/PPT-SPR.pptx
+++ b/modules/Recruitment/PPT-SPR.pptx
@@ -5045,33 +5045,6 @@
       </p:sp>
       <p:sp>
         <p:nvSpPr>
-          <p:cNvPr id="8" name="Content Placeholder 7"/>
-          <p:cNvSpPr>
-            <a:spLocks noGrp="1"/>
-          </p:cNvSpPr>
-          <p:nvPr>
-            <p:ph idx="1"/>
-          </p:nvPr>
-        </p:nvSpPr>
-        <p:spPr>
-          <a:xfrm>
-            <a:off x="457200" y="4267200"/>
-            <a:ext cx="8229600" cy="2209800"/>
-          </a:xfrm>
-        </p:spPr>
-        <p:txBody>
-          <a:bodyPr/>
-          <a:lstStyle/>
-          <a:p>
-            <a:r>
-              <a:rPr lang="en-US" dirty="0" smtClean="0"/>
-              <a:t>Examine Excel spreadsheet</a:t>
-            </a:r>
-          </a:p>
-        </p:txBody>
-      </p:sp>
-      <p:sp>
-        <p:nvSpPr>
           <p:cNvPr id="4" name="Footer Placeholder 3"/>
           <p:cNvSpPr>
             <a:spLocks noGrp="1"/>
@@ -5735,55 +5708,6 @@
                       </p:childTnLst>
                     </p:cTn>
                   </p:par>
-                  <p:par>
-                    <p:cTn id="22" fill="hold">
-                      <p:stCondLst>
-                        <p:cond delay="indefinite"/>
-                      </p:stCondLst>
-                      <p:childTnLst>
-                        <p:par>
-                          <p:cTn id="23" fill="hold">
-                            <p:stCondLst>
-                              <p:cond delay="0"/>
-                            </p:stCondLst>
-                            <p:childTnLst>
-                              <p:par>
-                                <p:cTn id="24" presetID="1" presetClass="entr" presetSubtype="0" fill="hold" grpId="0" nodeType="clickEffect">
-                                  <p:stCondLst>
-                                    <p:cond delay="0"/>
-                                  </p:stCondLst>
-                                  <p:childTnLst>
-                                    <p:set>
-                                      <p:cBhvr>
-                                        <p:cTn id="25" dur="1" fill="hold">
-                                          <p:stCondLst>
-                                            <p:cond delay="0"/>
-                                          </p:stCondLst>
-                                        </p:cTn>
-                                        <p:tgtEl>
-                                          <p:spTgt spid="8">
-                                            <p:txEl>
-                                              <p:pRg st="0" end="0"/>
-                                            </p:txEl>
-                                          </p:spTgt>
-                                        </p:tgtEl>
-                                        <p:attrNameLst>
-                                          <p:attrName>style.visibility</p:attrName>
-                                        </p:attrNameLst>
-                                      </p:cBhvr>
-                                      <p:to>
-                                        <p:strVal val="visible"/>
-                                      </p:to>
-                                    </p:set>
-                                  </p:childTnLst>
-                                </p:cTn>
-                              </p:par>
-                            </p:childTnLst>
-                          </p:cTn>
-                        </p:par>
-                      </p:childTnLst>
-                    </p:cTn>
-                  </p:par>
                 </p:childTnLst>
               </p:cTn>
               <p:prevCondLst>
@@ -5806,7 +5730,6 @@
       </p:par>
     </p:tnLst>
     <p:bldLst>
-      <p:bldP spid="8" grpId="0" build="p"/>
       <p:bldP spid="9" grpId="0" animBg="1"/>
       <p:bldP spid="12" grpId="0" animBg="1"/>
     </p:bldLst>
@@ -5966,27 +5889,17 @@
               <a:rPr lang="en-US" dirty="0" smtClean="0">
                 <a:sym typeface="Wingdings" pitchFamily="2" charset="2"/>
               </a:rPr>
-              <a:t>Shovelnose sturgeon --  &gt;40-50% (Quist et al. 2002)</a:t>
-            </a:r>
-          </a:p>
-          <a:p>
-            <a:pPr lvl="2"/>
-            <a:endParaRPr lang="en-US" dirty="0">
-              <a:sym typeface="Wingdings" pitchFamily="2" charset="2"/>
-            </a:endParaRPr>
-          </a:p>
-          <a:p>
-            <a:pPr lvl="1"/>
+              <a:t>Shovelnose sturgeon --  &gt;40-50% (Quist et al. 2002</a:t>
+            </a:r>
             <a:r>
               <a:rPr lang="en-US" dirty="0" smtClean="0">
                 <a:sym typeface="Wingdings" pitchFamily="2" charset="2"/>
               </a:rPr>
-              <a:t>Examine Excel Spreadsheet</a:t>
-            </a:r>
-          </a:p>
-          <a:p>
-            <a:pPr lvl="2"/>
-            <a:endParaRPr lang="en-US" dirty="0" smtClean="0"/>
+              <a:t>)</a:t>
+            </a:r>
+            <a:endParaRPr lang="en-US" dirty="0" smtClean="0">
+              <a:sym typeface="Wingdings" pitchFamily="2" charset="2"/>
+            </a:endParaRPr>
           </a:p>
         </p:txBody>
       </p:sp>
@@ -6293,55 +6206,6 @@
                                           <p:spTgt spid="8">
                                             <p:txEl>
                                               <p:pRg st="7" end="7"/>
-                                            </p:txEl>
-                                          </p:spTgt>
-                                        </p:tgtEl>
-                                        <p:attrNameLst>
-                                          <p:attrName>style.visibility</p:attrName>
-                                        </p:attrNameLst>
-                                      </p:cBhvr>
-                                      <p:to>
-                                        <p:strVal val="visible"/>
-                                      </p:to>
-                                    </p:set>
-                                  </p:childTnLst>
-                                </p:cTn>
-                              </p:par>
-                            </p:childTnLst>
-                          </p:cTn>
-                        </p:par>
-                      </p:childTnLst>
-                    </p:cTn>
-                  </p:par>
-                  <p:par>
-                    <p:cTn id="23" fill="hold">
-                      <p:stCondLst>
-                        <p:cond delay="indefinite"/>
-                      </p:stCondLst>
-                      <p:childTnLst>
-                        <p:par>
-                          <p:cTn id="24" fill="hold">
-                            <p:stCondLst>
-                              <p:cond delay="0"/>
-                            </p:stCondLst>
-                            <p:childTnLst>
-                              <p:par>
-                                <p:cTn id="25" presetID="1" presetClass="entr" presetSubtype="0" fill="hold" grpId="0" nodeType="clickEffect">
-                                  <p:stCondLst>
-                                    <p:cond delay="0"/>
-                                  </p:stCondLst>
-                                  <p:childTnLst>
-                                    <p:set>
-                                      <p:cBhvr>
-                                        <p:cTn id="26" dur="1" fill="hold">
-                                          <p:stCondLst>
-                                            <p:cond delay="0"/>
-                                          </p:stCondLst>
-                                        </p:cTn>
-                                        <p:tgtEl>
-                                          <p:spTgt spid="8">
-                                            <p:txEl>
-                                              <p:pRg st="9" end="9"/>
                                             </p:txEl>
                                           </p:spTgt>
                                         </p:tgtEl>
